--- a/KickStart/KickStart01/SpringBasics.pptx
+++ b/KickStart/KickStart01/SpringBasics.pptx
@@ -5,7 +5,7 @@
     <p:sldMasterId id="2147483648" r:id="rId1"/>
   </p:sldMasterIdLst>
   <p:notesMasterIdLst>
-    <p:notesMasterId r:id="rId34"/>
+    <p:notesMasterId r:id="rId33"/>
   </p:notesMasterIdLst>
   <p:sldIdLst>
     <p:sldId id="256" r:id="rId2"/>
@@ -38,8 +38,7 @@
     <p:sldId id="284" r:id="rId29"/>
     <p:sldId id="286" r:id="rId30"/>
     <p:sldId id="287" r:id="rId31"/>
-    <p:sldId id="274" r:id="rId32"/>
-    <p:sldId id="283" r:id="rId33"/>
+    <p:sldId id="283" r:id="rId32"/>
   </p:sldIdLst>
   <p:sldSz cx="12192000" cy="6858000"/>
   <p:notesSz cx="6858000" cy="9144000"/>
@@ -138,7 +137,16 @@
       </a:defRPr>
     </a:lvl9pPr>
   </p:defaultTextStyle>
+  <p:extLst>
+    <p:ext uri="{EFAFB233-063F-42B5-8137-9DF3F51BA10A}">
+      <p15:sldGuideLst xmlns:p15="http://schemas.microsoft.com/office/powerpoint/2012/main"/>
+    </p:ext>
+  </p:extLst>
 </p:presentation>
+</file>
+
+<file path=ppt/revisionInfo.xml><?xml version="1.0" encoding="utf-8"?>
+<p1510:revInfo xmlns:a="http://schemas.openxmlformats.org/drawingml/2006/main" xmlns:r="http://schemas.openxmlformats.org/officeDocument/2006/relationships" xmlns:p1510="http://schemas.microsoft.com/office/powerpoint/2015/10/main"/>
 </file>
 
 <file path=ppt/notesMasters/notesMaster1.xml><?xml version="1.0" encoding="utf-8"?>
@@ -223,7 +231,7 @@
           <a:p>
             <a:fld id="{D562ECB2-0B34-4F99-97C3-2D997D466F99}" type="datetimeFigureOut">
               <a:rPr lang="en-US" smtClean="0"/>
-              <a:t>7/7/2017</a:t>
+              <a:t>7/10/2017</a:t>
             </a:fld>
             <a:endParaRPr lang="en-US"/>
           </a:p>
@@ -2118,6 +2126,18 @@
           <a:bodyPr/>
           <a:lstStyle/>
           <a:p>
+            <a:r>
+              <a:rPr lang="en-US" dirty="0"/>
+              <a:t>Courtesy &amp; Links/Resources: </a:t>
+            </a:r>
+          </a:p>
+          <a:p>
+            <a:r>
+              <a:rPr lang="en-US" dirty="0"/>
+              <a:t>https://spring.io/blog/2006/11/09/spring-framework-the-origins-of-a-project-and-a-name</a:t>
+            </a:r>
+          </a:p>
+          <a:p>
             <a:endParaRPr lang="en-US" dirty="0"/>
           </a:p>
         </p:txBody>
@@ -2140,102 +2160,6 @@
             <a:fld id="{5842E660-D3F0-484E-B0EB-7CED654FCBFE}" type="slidenum">
               <a:rPr lang="en-US" smtClean="0"/>
               <a:t>31</a:t>
-            </a:fld>
-            <a:endParaRPr lang="en-US"/>
-          </a:p>
-        </p:txBody>
-      </p:sp>
-    </p:spTree>
-    <p:extLst>
-      <p:ext uri="{BB962C8B-B14F-4D97-AF65-F5344CB8AC3E}">
-        <p14:creationId xmlns:p14="http://schemas.microsoft.com/office/powerpoint/2010/main" val="1197319882"/>
-      </p:ext>
-    </p:extLst>
-  </p:cSld>
-  <p:clrMapOvr>
-    <a:masterClrMapping/>
-  </p:clrMapOvr>
-</p:notes>
-</file>
-
-<file path=ppt/notesSlides/notesSlide25.xml><?xml version="1.0" encoding="utf-8"?>
-<p:notes xmlns:a="http://schemas.openxmlformats.org/drawingml/2006/main" xmlns:r="http://schemas.openxmlformats.org/officeDocument/2006/relationships" xmlns:p="http://schemas.openxmlformats.org/presentationml/2006/main">
-  <p:cSld>
-    <p:spTree>
-      <p:nvGrpSpPr>
-        <p:cNvPr id="1" name=""/>
-        <p:cNvGrpSpPr/>
-        <p:nvPr/>
-      </p:nvGrpSpPr>
-      <p:grpSpPr>
-        <a:xfrm>
-          <a:off x="0" y="0"/>
-          <a:ext cx="0" cy="0"/>
-          <a:chOff x="0" y="0"/>
-          <a:chExt cx="0" cy="0"/>
-        </a:xfrm>
-      </p:grpSpPr>
-      <p:sp>
-        <p:nvSpPr>
-          <p:cNvPr id="2" name="Slide Image Placeholder 1"/>
-          <p:cNvSpPr>
-            <a:spLocks noGrp="1" noRot="1" noChangeAspect="1"/>
-          </p:cNvSpPr>
-          <p:nvPr>
-            <p:ph type="sldImg"/>
-          </p:nvPr>
-        </p:nvSpPr>
-        <p:spPr/>
-      </p:sp>
-      <p:sp>
-        <p:nvSpPr>
-          <p:cNvPr id="3" name="Notes Placeholder 2"/>
-          <p:cNvSpPr>
-            <a:spLocks noGrp="1"/>
-          </p:cNvSpPr>
-          <p:nvPr>
-            <p:ph type="body" idx="1"/>
-          </p:nvPr>
-        </p:nvSpPr>
-        <p:spPr/>
-        <p:txBody>
-          <a:bodyPr/>
-          <a:lstStyle/>
-          <a:p>
-            <a:r>
-              <a:rPr lang="en-US" dirty="0"/>
-              <a:t>Courtesy &amp; Links/Resources: </a:t>
-            </a:r>
-          </a:p>
-          <a:p>
-            <a:r>
-              <a:rPr lang="en-US" dirty="0"/>
-              <a:t>https://spring.io/blog/2006/11/09/spring-framework-the-origins-of-a-project-and-a-name</a:t>
-            </a:r>
-          </a:p>
-          <a:p>
-            <a:endParaRPr lang="en-US" dirty="0"/>
-          </a:p>
-        </p:txBody>
-      </p:sp>
-      <p:sp>
-        <p:nvSpPr>
-          <p:cNvPr id="4" name="Slide Number Placeholder 3"/>
-          <p:cNvSpPr>
-            <a:spLocks noGrp="1"/>
-          </p:cNvSpPr>
-          <p:nvPr>
-            <p:ph type="sldNum" sz="quarter" idx="10"/>
-          </p:nvPr>
-        </p:nvSpPr>
-        <p:spPr/>
-        <p:txBody>
-          <a:bodyPr/>
-          <a:lstStyle/>
-          <a:p>
-            <a:fld id="{5842E660-D3F0-484E-B0EB-7CED654FCBFE}" type="slidenum">
-              <a:rPr lang="en-US" smtClean="0"/>
-              <a:t>32</a:t>
             </a:fld>
             <a:endParaRPr lang="en-US"/>
           </a:p>
@@ -3064,7 +2988,7 @@
             <a:fld id="{B61BEF0D-F0BB-DE4B-95CE-6DB70DBA9567}" type="datetimeFigureOut">
               <a:rPr lang="en-US" dirty="0"/>
               <a:pPr/>
-              <a:t>7/7/2017</a:t>
+              <a:t>7/10/2017</a:t>
             </a:fld>
             <a:endParaRPr lang="en-US" dirty="0"/>
           </a:p>
@@ -3399,7 +3323,7 @@
             <a:fld id="{B61BEF0D-F0BB-DE4B-95CE-6DB70DBA9567}" type="datetimeFigureOut">
               <a:rPr lang="en-US" dirty="0"/>
               <a:pPr/>
-              <a:t>7/7/2017</a:t>
+              <a:t>7/10/2017</a:t>
             </a:fld>
             <a:endParaRPr lang="en-US" dirty="0"/>
           </a:p>
@@ -3797,7 +3721,7 @@
             <a:fld id="{B61BEF0D-F0BB-DE4B-95CE-6DB70DBA9567}" type="datetimeFigureOut">
               <a:rPr lang="en-US" dirty="0"/>
               <a:pPr/>
-              <a:t>7/7/2017</a:t>
+              <a:t>7/10/2017</a:t>
             </a:fld>
             <a:endParaRPr lang="en-US" dirty="0"/>
           </a:p>
@@ -4130,7 +4054,7 @@
             <a:fld id="{B61BEF0D-F0BB-DE4B-95CE-6DB70DBA9567}" type="datetimeFigureOut">
               <a:rPr lang="en-US" dirty="0"/>
               <a:pPr/>
-              <a:t>7/7/2017</a:t>
+              <a:t>7/10/2017</a:t>
             </a:fld>
             <a:endParaRPr lang="en-US" dirty="0"/>
           </a:p>
@@ -4447,7 +4371,7 @@
             <a:fld id="{B61BEF0D-F0BB-DE4B-95CE-6DB70DBA9567}" type="datetimeFigureOut">
               <a:rPr lang="en-US" dirty="0"/>
               <a:pPr/>
-              <a:t>7/7/2017</a:t>
+              <a:t>7/10/2017</a:t>
             </a:fld>
             <a:endParaRPr lang="en-US" dirty="0"/>
           </a:p>
@@ -4840,7 +4764,7 @@
             <a:fld id="{B61BEF0D-F0BB-DE4B-95CE-6DB70DBA9567}" type="datetimeFigureOut">
               <a:rPr lang="en-US" dirty="0"/>
               <a:pPr/>
-              <a:t>7/7/2017</a:t>
+              <a:t>7/10/2017</a:t>
             </a:fld>
             <a:endParaRPr lang="en-US" dirty="0"/>
           </a:p>
@@ -5094,7 +5018,7 @@
             <a:fld id="{B61BEF0D-F0BB-DE4B-95CE-6DB70DBA9567}" type="datetimeFigureOut">
               <a:rPr lang="en-US" dirty="0"/>
               <a:pPr/>
-              <a:t>7/7/2017</a:t>
+              <a:t>7/10/2017</a:t>
             </a:fld>
             <a:endParaRPr lang="en-US" dirty="0"/>
           </a:p>
@@ -5353,7 +5277,7 @@
             <a:fld id="{B61BEF0D-F0BB-DE4B-95CE-6DB70DBA9567}" type="datetimeFigureOut">
               <a:rPr lang="en-US" dirty="0"/>
               <a:pPr/>
-              <a:t>7/7/2017</a:t>
+              <a:t>7/10/2017</a:t>
             </a:fld>
             <a:endParaRPr lang="en-US" dirty="0"/>
           </a:p>
@@ -5612,7 +5536,7 @@
             <a:fld id="{B61BEF0D-F0BB-DE4B-95CE-6DB70DBA9567}" type="datetimeFigureOut">
               <a:rPr lang="en-US" dirty="0"/>
               <a:pPr/>
-              <a:t>7/7/2017</a:t>
+              <a:t>7/10/2017</a:t>
             </a:fld>
             <a:endParaRPr lang="en-US" dirty="0"/>
           </a:p>
@@ -5938,7 +5862,7 @@
             <a:fld id="{B61BEF0D-F0BB-DE4B-95CE-6DB70DBA9567}" type="datetimeFigureOut">
               <a:rPr lang="en-US" dirty="0"/>
               <a:pPr/>
-              <a:t>7/7/2017</a:t>
+              <a:t>7/10/2017</a:t>
             </a:fld>
             <a:endParaRPr lang="en-US" dirty="0"/>
           </a:p>
@@ -6258,7 +6182,7 @@
             <a:fld id="{B61BEF0D-F0BB-DE4B-95CE-6DB70DBA9567}" type="datetimeFigureOut">
               <a:rPr lang="en-US" dirty="0"/>
               <a:pPr/>
-              <a:t>7/7/2017</a:t>
+              <a:t>7/10/2017</a:t>
             </a:fld>
             <a:endParaRPr lang="en-US" dirty="0"/>
           </a:p>
@@ -6712,7 +6636,7 @@
             <a:fld id="{B61BEF0D-F0BB-DE4B-95CE-6DB70DBA9567}" type="datetimeFigureOut">
               <a:rPr lang="en-US" dirty="0"/>
               <a:pPr/>
-              <a:t>7/7/2017</a:t>
+              <a:t>7/10/2017</a:t>
             </a:fld>
             <a:endParaRPr lang="en-US" dirty="0"/>
           </a:p>
@@ -6914,7 +6838,7 @@
             <a:fld id="{B61BEF0D-F0BB-DE4B-95CE-6DB70DBA9567}" type="datetimeFigureOut">
               <a:rPr lang="en-US" dirty="0"/>
               <a:pPr/>
-              <a:t>7/7/2017</a:t>
+              <a:t>7/10/2017</a:t>
             </a:fld>
             <a:endParaRPr lang="en-US" dirty="0"/>
           </a:p>
@@ -7088,7 +7012,7 @@
             <a:fld id="{B61BEF0D-F0BB-DE4B-95CE-6DB70DBA9567}" type="datetimeFigureOut">
               <a:rPr lang="en-US" dirty="0"/>
               <a:pPr/>
-              <a:t>7/7/2017</a:t>
+              <a:t>7/10/2017</a:t>
             </a:fld>
             <a:endParaRPr lang="en-US" dirty="0"/>
           </a:p>
@@ -7418,7 +7342,7 @@
             <a:fld id="{B61BEF0D-F0BB-DE4B-95CE-6DB70DBA9567}" type="datetimeFigureOut">
               <a:rPr lang="en-US" dirty="0"/>
               <a:pPr/>
-              <a:t>7/7/2017</a:t>
+              <a:t>7/10/2017</a:t>
             </a:fld>
             <a:endParaRPr lang="en-US" dirty="0"/>
           </a:p>
@@ -7760,7 +7684,7 @@
             <a:fld id="{B61BEF0D-F0BB-DE4B-95CE-6DB70DBA9567}" type="datetimeFigureOut">
               <a:rPr lang="en-US" dirty="0"/>
               <a:pPr/>
-              <a:t>7/7/2017</a:t>
+              <a:t>7/10/2017</a:t>
             </a:fld>
             <a:endParaRPr lang="en-US" dirty="0"/>
           </a:p>
@@ -9877,7 +9801,7 @@
             <a:fld id="{B61BEF0D-F0BB-DE4B-95CE-6DB70DBA9567}" type="datetimeFigureOut">
               <a:rPr lang="en-US" dirty="0"/>
               <a:pPr/>
-              <a:t>7/7/2017</a:t>
+              <a:t>7/10/2017</a:t>
             </a:fld>
             <a:endParaRPr lang="en-US" dirty="0"/>
           </a:p>
@@ -16695,144 +16619,6 @@
 </file>
 
 <file path=ppt/slides/slide31.xml><?xml version="1.0" encoding="utf-8"?>
-<p:sld xmlns:a="http://schemas.openxmlformats.org/drawingml/2006/main" xmlns:r="http://schemas.openxmlformats.org/officeDocument/2006/relationships" xmlns:p="http://schemas.openxmlformats.org/presentationml/2006/main">
-  <p:cSld>
-    <p:spTree>
-      <p:nvGrpSpPr>
-        <p:cNvPr id="1" name=""/>
-        <p:cNvGrpSpPr/>
-        <p:nvPr/>
-      </p:nvGrpSpPr>
-      <p:grpSpPr>
-        <a:xfrm>
-          <a:off x="0" y="0"/>
-          <a:ext cx="0" cy="0"/>
-          <a:chOff x="0" y="0"/>
-          <a:chExt cx="0" cy="0"/>
-        </a:xfrm>
-      </p:grpSpPr>
-      <p:sp>
-        <p:nvSpPr>
-          <p:cNvPr id="17" name="TextBox 16">
-            <a:extLst>
-              <a:ext uri="{FF2B5EF4-FFF2-40B4-BE49-F238E27FC236}">
-                <a16:creationId xmlns:a16="http://schemas.microsoft.com/office/drawing/2014/main" id="{B9302C1C-8913-4DC4-8C1B-B8BA9A006AE4}"/>
-              </a:ext>
-            </a:extLst>
-          </p:cNvPr>
-          <p:cNvSpPr txBox="1"/>
-          <p:nvPr/>
-        </p:nvSpPr>
-        <p:spPr>
-          <a:xfrm>
-            <a:off x="5432759" y="343900"/>
-            <a:ext cx="1410964" cy="477054"/>
-          </a:xfrm>
-          <a:prstGeom prst="rect">
-            <a:avLst/>
-          </a:prstGeom>
-          <a:noFill/>
-        </p:spPr>
-        <p:txBody>
-          <a:bodyPr wrap="none" rtlCol="0">
-            <a:spAutoFit/>
-          </a:bodyPr>
-          <a:lstStyle/>
-          <a:p>
-            <a:r>
-              <a:rPr lang="en-US" sz="2500" dirty="0">
-                <a:solidFill>
-                  <a:srgbClr val="92D050"/>
-                </a:solidFill>
-              </a:rPr>
-              <a:t>Opinion</a:t>
-            </a:r>
-          </a:p>
-        </p:txBody>
-      </p:sp>
-      <p:sp>
-        <p:nvSpPr>
-          <p:cNvPr id="2" name="TextBox 1">
-            <a:extLst>
-              <a:ext uri="{FF2B5EF4-FFF2-40B4-BE49-F238E27FC236}">
-                <a16:creationId xmlns:a16="http://schemas.microsoft.com/office/drawing/2014/main" id="{572FFCD4-C67E-4853-940B-915F0D2A3029}"/>
-              </a:ext>
-            </a:extLst>
-          </p:cNvPr>
-          <p:cNvSpPr txBox="1"/>
-          <p:nvPr/>
-        </p:nvSpPr>
-        <p:spPr>
-          <a:xfrm>
-            <a:off x="2447967" y="3182112"/>
-            <a:ext cx="7380547" cy="553998"/>
-          </a:xfrm>
-          <a:prstGeom prst="rect">
-            <a:avLst/>
-          </a:prstGeom>
-          <a:noFill/>
-        </p:spPr>
-        <p:txBody>
-          <a:bodyPr wrap="none" rtlCol="0">
-            <a:spAutoFit/>
-          </a:bodyPr>
-          <a:lstStyle/>
-          <a:p>
-            <a:r>
-              <a:rPr lang="en-US" sz="3000" dirty="0">
-                <a:solidFill>
-                  <a:srgbClr val="92D050"/>
-                </a:solidFill>
-              </a:rPr>
-              <a:t>Is Spring Good Or Bad For Developers?</a:t>
-            </a:r>
-          </a:p>
-        </p:txBody>
-      </p:sp>
-      <p:pic>
-        <p:nvPicPr>
-          <p:cNvPr id="9" name="Picture 8">
-            <a:extLst>
-              <a:ext uri="{FF2B5EF4-FFF2-40B4-BE49-F238E27FC236}">
-                <a16:creationId xmlns:a16="http://schemas.microsoft.com/office/drawing/2014/main" id="{C3B4C7B4-6C5B-4965-87E8-E44EF82777B2}"/>
-              </a:ext>
-            </a:extLst>
-          </p:cNvPr>
-          <p:cNvPicPr>
-            <a:picLocks noChangeAspect="1"/>
-          </p:cNvPicPr>
-          <p:nvPr/>
-        </p:nvPicPr>
-        <p:blipFill>
-          <a:blip r:embed="rId3"/>
-          <a:stretch>
-            <a:fillRect/>
-          </a:stretch>
-        </p:blipFill>
-        <p:spPr>
-          <a:xfrm>
-            <a:off x="4784011" y="1474873"/>
-            <a:ext cx="2800350" cy="1714500"/>
-          </a:xfrm>
-          <a:prstGeom prst="rect">
-            <a:avLst/>
-          </a:prstGeom>
-        </p:spPr>
-      </p:pic>
-    </p:spTree>
-    <p:extLst>
-      <p:ext uri="{BB962C8B-B14F-4D97-AF65-F5344CB8AC3E}">
-        <p14:creationId xmlns:p14="http://schemas.microsoft.com/office/powerpoint/2010/main" val="683606404"/>
-      </p:ext>
-    </p:extLst>
-  </p:cSld>
-  <p:clrMapOvr>
-    <a:masterClrMapping/>
-  </p:clrMapOvr>
-</p:sld>
-</file>
-
-<file path=ppt/slides/slide32.xml><?xml version="1.0" encoding="utf-8"?>
 <p:sld xmlns:a="http://schemas.openxmlformats.org/drawingml/2006/main" xmlns:r="http://schemas.openxmlformats.org/officeDocument/2006/relationships" xmlns:p="http://schemas.openxmlformats.org/presentationml/2006/main">
   <p:cSld>
     <p:spTree>
